--- a/Benchmarking.pptx
+++ b/Benchmarking.pptx
@@ -297,7 +297,7 @@
           <a:p>
             <a:fld id="{89026B5D-D9C2-419F-8CB8-9383CC0471F5}" type="datetimeFigureOut">
               <a:rPr lang="sl-SI" smtClean="0"/>
-              <a:t>14.1.2020</a:t>
+              <a:t>18.1.2020</a:t>
             </a:fld>
             <a:endParaRPr lang="sl-SI"/>
           </a:p>
@@ -467,7 +467,7 @@
           <a:p>
             <a:fld id="{89026B5D-D9C2-419F-8CB8-9383CC0471F5}" type="datetimeFigureOut">
               <a:rPr lang="sl-SI" smtClean="0"/>
-              <a:t>14.1.2020</a:t>
+              <a:t>18.1.2020</a:t>
             </a:fld>
             <a:endParaRPr lang="sl-SI"/>
           </a:p>
@@ -647,7 +647,7 @@
           <a:p>
             <a:fld id="{89026B5D-D9C2-419F-8CB8-9383CC0471F5}" type="datetimeFigureOut">
               <a:rPr lang="sl-SI" smtClean="0"/>
-              <a:t>14.1.2020</a:t>
+              <a:t>18.1.2020</a:t>
             </a:fld>
             <a:endParaRPr lang="sl-SI"/>
           </a:p>
@@ -817,7 +817,7 @@
           <a:p>
             <a:fld id="{89026B5D-D9C2-419F-8CB8-9383CC0471F5}" type="datetimeFigureOut">
               <a:rPr lang="sl-SI" smtClean="0"/>
-              <a:t>14.1.2020</a:t>
+              <a:t>18.1.2020</a:t>
             </a:fld>
             <a:endParaRPr lang="sl-SI"/>
           </a:p>
@@ -1063,7 +1063,7 @@
           <a:p>
             <a:fld id="{89026B5D-D9C2-419F-8CB8-9383CC0471F5}" type="datetimeFigureOut">
               <a:rPr lang="sl-SI" smtClean="0"/>
-              <a:t>14.1.2020</a:t>
+              <a:t>18.1.2020</a:t>
             </a:fld>
             <a:endParaRPr lang="sl-SI"/>
           </a:p>
@@ -1351,7 +1351,7 @@
           <a:p>
             <a:fld id="{89026B5D-D9C2-419F-8CB8-9383CC0471F5}" type="datetimeFigureOut">
               <a:rPr lang="sl-SI" smtClean="0"/>
-              <a:t>14.1.2020</a:t>
+              <a:t>18.1.2020</a:t>
             </a:fld>
             <a:endParaRPr lang="sl-SI"/>
           </a:p>
@@ -1773,7 +1773,7 @@
           <a:p>
             <a:fld id="{89026B5D-D9C2-419F-8CB8-9383CC0471F5}" type="datetimeFigureOut">
               <a:rPr lang="sl-SI" smtClean="0"/>
-              <a:t>14.1.2020</a:t>
+              <a:t>18.1.2020</a:t>
             </a:fld>
             <a:endParaRPr lang="sl-SI"/>
           </a:p>
@@ -1891,7 +1891,7 @@
           <a:p>
             <a:fld id="{89026B5D-D9C2-419F-8CB8-9383CC0471F5}" type="datetimeFigureOut">
               <a:rPr lang="sl-SI" smtClean="0"/>
-              <a:t>14.1.2020</a:t>
+              <a:t>18.1.2020</a:t>
             </a:fld>
             <a:endParaRPr lang="sl-SI"/>
           </a:p>
@@ -1986,7 +1986,7 @@
           <a:p>
             <a:fld id="{89026B5D-D9C2-419F-8CB8-9383CC0471F5}" type="datetimeFigureOut">
               <a:rPr lang="sl-SI" smtClean="0"/>
-              <a:t>14.1.2020</a:t>
+              <a:t>18.1.2020</a:t>
             </a:fld>
             <a:endParaRPr lang="sl-SI"/>
           </a:p>
@@ -2263,7 +2263,7 @@
           <a:p>
             <a:fld id="{89026B5D-D9C2-419F-8CB8-9383CC0471F5}" type="datetimeFigureOut">
               <a:rPr lang="sl-SI" smtClean="0"/>
-              <a:t>14.1.2020</a:t>
+              <a:t>18.1.2020</a:t>
             </a:fld>
             <a:endParaRPr lang="sl-SI"/>
           </a:p>
@@ -2516,7 +2516,7 @@
           <a:p>
             <a:fld id="{89026B5D-D9C2-419F-8CB8-9383CC0471F5}" type="datetimeFigureOut">
               <a:rPr lang="sl-SI" smtClean="0"/>
-              <a:t>14.1.2020</a:t>
+              <a:t>18.1.2020</a:t>
             </a:fld>
             <a:endParaRPr lang="sl-SI"/>
           </a:p>
@@ -2739,7 +2739,7 @@
           <a:p>
             <a:fld id="{89026B5D-D9C2-419F-8CB8-9383CC0471F5}" type="datetimeFigureOut">
               <a:rPr lang="sl-SI" smtClean="0"/>
-              <a:t>14.1.2020</a:t>
+              <a:t>18.1.2020</a:t>
             </a:fld>
             <a:endParaRPr lang="sl-SI"/>
           </a:p>
@@ -4324,6 +4324,7 @@
               <a:rPr lang="sl-SI" b="1" dirty="0">
                 <a:latin typeface="Times New Roman" panose="02020603050405020304" pitchFamily="18" charset="0"/>
                 <a:cs typeface="Times New Roman" panose="02020603050405020304" pitchFamily="18" charset="0"/>
+                <a:hlinkClick r:id="rId2"/>
               </a:rPr>
               <a:t>Livermore loops </a:t>
             </a:r>
@@ -4337,6 +4338,7 @@
               <a:rPr lang="sl-SI" b="1" dirty="0">
                 <a:latin typeface="Times New Roman" panose="02020603050405020304" pitchFamily="18" charset="0"/>
                 <a:cs typeface="Times New Roman" panose="02020603050405020304" pitchFamily="18" charset="0"/>
+                <a:hlinkClick r:id="rId3"/>
               </a:rPr>
               <a:t>LINPACK </a:t>
             </a:r>

--- a/Benchmarking.pptx
+++ b/Benchmarking.pptx
@@ -297,7 +297,7 @@
           <a:p>
             <a:fld id="{89026B5D-D9C2-419F-8CB8-9383CC0471F5}" type="datetimeFigureOut">
               <a:rPr lang="sl-SI" smtClean="0"/>
-              <a:t>18.1.2020</a:t>
+              <a:t>19.1.2020</a:t>
             </a:fld>
             <a:endParaRPr lang="sl-SI"/>
           </a:p>
@@ -467,7 +467,7 @@
           <a:p>
             <a:fld id="{89026B5D-D9C2-419F-8CB8-9383CC0471F5}" type="datetimeFigureOut">
               <a:rPr lang="sl-SI" smtClean="0"/>
-              <a:t>18.1.2020</a:t>
+              <a:t>19.1.2020</a:t>
             </a:fld>
             <a:endParaRPr lang="sl-SI"/>
           </a:p>
@@ -647,7 +647,7 @@
           <a:p>
             <a:fld id="{89026B5D-D9C2-419F-8CB8-9383CC0471F5}" type="datetimeFigureOut">
               <a:rPr lang="sl-SI" smtClean="0"/>
-              <a:t>18.1.2020</a:t>
+              <a:t>19.1.2020</a:t>
             </a:fld>
             <a:endParaRPr lang="sl-SI"/>
           </a:p>
@@ -817,7 +817,7 @@
           <a:p>
             <a:fld id="{89026B5D-D9C2-419F-8CB8-9383CC0471F5}" type="datetimeFigureOut">
               <a:rPr lang="sl-SI" smtClean="0"/>
-              <a:t>18.1.2020</a:t>
+              <a:t>19.1.2020</a:t>
             </a:fld>
             <a:endParaRPr lang="sl-SI"/>
           </a:p>
@@ -1063,7 +1063,7 @@
           <a:p>
             <a:fld id="{89026B5D-D9C2-419F-8CB8-9383CC0471F5}" type="datetimeFigureOut">
               <a:rPr lang="sl-SI" smtClean="0"/>
-              <a:t>18.1.2020</a:t>
+              <a:t>19.1.2020</a:t>
             </a:fld>
             <a:endParaRPr lang="sl-SI"/>
           </a:p>
@@ -1351,7 +1351,7 @@
           <a:p>
             <a:fld id="{89026B5D-D9C2-419F-8CB8-9383CC0471F5}" type="datetimeFigureOut">
               <a:rPr lang="sl-SI" smtClean="0"/>
-              <a:t>18.1.2020</a:t>
+              <a:t>19.1.2020</a:t>
             </a:fld>
             <a:endParaRPr lang="sl-SI"/>
           </a:p>
@@ -1773,7 +1773,7 @@
           <a:p>
             <a:fld id="{89026B5D-D9C2-419F-8CB8-9383CC0471F5}" type="datetimeFigureOut">
               <a:rPr lang="sl-SI" smtClean="0"/>
-              <a:t>18.1.2020</a:t>
+              <a:t>19.1.2020</a:t>
             </a:fld>
             <a:endParaRPr lang="sl-SI"/>
           </a:p>
@@ -1891,7 +1891,7 @@
           <a:p>
             <a:fld id="{89026B5D-D9C2-419F-8CB8-9383CC0471F5}" type="datetimeFigureOut">
               <a:rPr lang="sl-SI" smtClean="0"/>
-              <a:t>18.1.2020</a:t>
+              <a:t>19.1.2020</a:t>
             </a:fld>
             <a:endParaRPr lang="sl-SI"/>
           </a:p>
@@ -1986,7 +1986,7 @@
           <a:p>
             <a:fld id="{89026B5D-D9C2-419F-8CB8-9383CC0471F5}" type="datetimeFigureOut">
               <a:rPr lang="sl-SI" smtClean="0"/>
-              <a:t>18.1.2020</a:t>
+              <a:t>19.1.2020</a:t>
             </a:fld>
             <a:endParaRPr lang="sl-SI"/>
           </a:p>
@@ -2263,7 +2263,7 @@
           <a:p>
             <a:fld id="{89026B5D-D9C2-419F-8CB8-9383CC0471F5}" type="datetimeFigureOut">
               <a:rPr lang="sl-SI" smtClean="0"/>
-              <a:t>18.1.2020</a:t>
+              <a:t>19.1.2020</a:t>
             </a:fld>
             <a:endParaRPr lang="sl-SI"/>
           </a:p>
@@ -2516,7 +2516,7 @@
           <a:p>
             <a:fld id="{89026B5D-D9C2-419F-8CB8-9383CC0471F5}" type="datetimeFigureOut">
               <a:rPr lang="sl-SI" smtClean="0"/>
-              <a:t>18.1.2020</a:t>
+              <a:t>19.1.2020</a:t>
             </a:fld>
             <a:endParaRPr lang="sl-SI"/>
           </a:p>
@@ -2739,7 +2739,7 @@
           <a:p>
             <a:fld id="{89026B5D-D9C2-419F-8CB8-9383CC0471F5}" type="datetimeFigureOut">
               <a:rPr lang="sl-SI" smtClean="0"/>
-              <a:t>18.1.2020</a:t>
+              <a:t>19.1.2020</a:t>
             </a:fld>
             <a:endParaRPr lang="sl-SI"/>
           </a:p>
@@ -4065,23 +4065,16 @@
           <a:lstStyle/>
           <a:p>
             <a:r>
-              <a:rPr lang="sl-SI" b="1" dirty="0">
-                <a:latin typeface="Times New Roman" panose="02020603050405020304" pitchFamily="18" charset="0"/>
-                <a:cs typeface="Times New Roman" panose="02020603050405020304" pitchFamily="18" charset="0"/>
-              </a:rPr>
-              <a:t>r</a:t>
-            </a:r>
-            <a:r>
               <a:rPr lang="sl-SI" b="1" dirty="0" smtClean="0">
                 <a:latin typeface="Times New Roman" panose="02020603050405020304" pitchFamily="18" charset="0"/>
                 <a:cs typeface="Times New Roman" panose="02020603050405020304" pitchFamily="18" charset="0"/>
               </a:rPr>
-              <a:t>elevantnost</a:t>
-            </a:r>
-          </a:p>
-          <a:p>
-            <a:r>
-              <a:rPr lang="sl-SI" b="1" dirty="0">
+              <a:t>relevantnost</a:t>
+            </a:r>
+          </a:p>
+          <a:p>
+            <a:r>
+              <a:rPr lang="sl-SI" b="1" dirty="0" smtClean="0">
                 <a:latin typeface="Times New Roman" panose="02020603050405020304" pitchFamily="18" charset="0"/>
                 <a:cs typeface="Times New Roman" panose="02020603050405020304" pitchFamily="18" charset="0"/>
               </a:rPr>
@@ -4528,12 +4521,83 @@
               </a:rPr>
               <a:t> </a:t>
             </a:r>
+            <a:endParaRPr lang="sl-SI" b="1" dirty="0" smtClean="0">
+              <a:latin typeface="Times New Roman" panose="02020603050405020304" pitchFamily="18" charset="0"/>
+              <a:cs typeface="Times New Roman" panose="02020603050405020304" pitchFamily="18" charset="0"/>
+            </a:endParaRPr>
+          </a:p>
+          <a:p>
+            <a:r>
+              <a:rPr lang="sl-SI" b="1" dirty="0">
+                <a:latin typeface="Times New Roman" panose="02020603050405020304" pitchFamily="18" charset="0"/>
+                <a:cs typeface="Times New Roman" panose="02020603050405020304" pitchFamily="18" charset="0"/>
+              </a:rPr>
+              <a:t>Norton SysInfo (SI)</a:t>
+            </a:r>
+            <a:endParaRPr lang="sl-SI" b="1" dirty="0" smtClean="0">
+              <a:latin typeface="Times New Roman" panose="02020603050405020304" pitchFamily="18" charset="0"/>
+              <a:cs typeface="Times New Roman" panose="02020603050405020304" pitchFamily="18" charset="0"/>
+            </a:endParaRPr>
           </a:p>
           <a:p>
             <a:endParaRPr lang="sl-SI" dirty="0"/>
           </a:p>
         </p:txBody>
       </p:sp>
+      <p:pic>
+        <p:nvPicPr>
+          <p:cNvPr id="1026" name="Picture 2"/>
+          <p:cNvPicPr>
+            <a:picLocks noChangeAspect="1" noChangeArrowheads="1"/>
+          </p:cNvPicPr>
+          <p:nvPr/>
+        </p:nvPicPr>
+        <p:blipFill>
+          <a:blip r:embed="rId2">
+            <a:extLst>
+              <a:ext uri="{28A0092B-C50C-407E-A947-70E740481C1C}">
+                <a14:useLocalDpi xmlns:a14="http://schemas.microsoft.com/office/drawing/2010/main" val="0"/>
+              </a:ext>
+            </a:extLst>
+          </a:blip>
+          <a:srcRect/>
+          <a:stretch>
+            <a:fillRect/>
+          </a:stretch>
+        </p:blipFill>
+        <p:spPr bwMode="auto">
+          <a:xfrm>
+            <a:off x="1043608" y="2204864"/>
+            <a:ext cx="7045985" cy="3059259"/>
+          </a:xfrm>
+          <a:prstGeom prst="rect">
+            <a:avLst/>
+          </a:prstGeom>
+          <a:noFill/>
+          <a:ln>
+            <a:noFill/>
+          </a:ln>
+          <a:extLst>
+            <a:ext uri="{909E8E84-426E-40DD-AFC4-6F175D3DCCD1}">
+              <a14:hiddenFill xmlns:a14="http://schemas.microsoft.com/office/drawing/2010/main">
+                <a:solidFill>
+                  <a:schemeClr val="accent1"/>
+                </a:solidFill>
+              </a14:hiddenFill>
+            </a:ext>
+            <a:ext uri="{91240B29-F687-4F45-9708-019B960494DF}">
+              <a14:hiddenLine xmlns:a14="http://schemas.microsoft.com/office/drawing/2010/main" w="9525">
+                <a:solidFill>
+                  <a:schemeClr val="tx1"/>
+                </a:solidFill>
+                <a:miter lim="800000"/>
+                <a:headEnd/>
+                <a:tailEnd/>
+              </a14:hiddenLine>
+            </a:ext>
+          </a:extLst>
+        </p:spPr>
+      </p:pic>
     </p:spTree>
     <p:extLst>
       <p:ext uri="{BB962C8B-B14F-4D97-AF65-F5344CB8AC3E}">
@@ -4547,7 +4611,120 @@
   <p:timing>
     <p:tnLst>
       <p:par>
-        <p:cTn id="1" dur="indefinite" restart="never" nodeType="tmRoot"/>
+        <p:cTn id="1" dur="indefinite" restart="never" nodeType="tmRoot">
+          <p:childTnLst>
+            <p:seq concurrent="1" nextAc="seek">
+              <p:cTn id="2" dur="indefinite" nodeType="mainSeq">
+                <p:childTnLst>
+                  <p:par>
+                    <p:cTn id="3" fill="hold">
+                      <p:stCondLst>
+                        <p:cond delay="indefinite"/>
+                      </p:stCondLst>
+                      <p:childTnLst>
+                        <p:par>
+                          <p:cTn id="4" fill="hold">
+                            <p:stCondLst>
+                              <p:cond delay="0"/>
+                            </p:stCondLst>
+                            <p:childTnLst>
+                              <p:par>
+                                <p:cTn id="5" presetID="1" presetClass="entr" presetSubtype="0" fill="hold" nodeType="clickEffect">
+                                  <p:stCondLst>
+                                    <p:cond delay="0"/>
+                                  </p:stCondLst>
+                                  <p:childTnLst>
+                                    <p:set>
+                                      <p:cBhvr>
+                                        <p:cTn id="6" dur="1" fill="hold">
+                                          <p:stCondLst>
+                                            <p:cond delay="0"/>
+                                          </p:stCondLst>
+                                        </p:cTn>
+                                        <p:tgtEl>
+                                          <p:spTgt spid="1026"/>
+                                        </p:tgtEl>
+                                        <p:attrNameLst>
+                                          <p:attrName>style.visibility</p:attrName>
+                                        </p:attrNameLst>
+                                      </p:cBhvr>
+                                      <p:to>
+                                        <p:strVal val="visible"/>
+                                      </p:to>
+                                    </p:set>
+                                  </p:childTnLst>
+                                </p:cTn>
+                              </p:par>
+                            </p:childTnLst>
+                          </p:cTn>
+                        </p:par>
+                      </p:childTnLst>
+                    </p:cTn>
+                  </p:par>
+                  <p:par>
+                    <p:cTn id="7" fill="hold">
+                      <p:stCondLst>
+                        <p:cond delay="indefinite"/>
+                      </p:stCondLst>
+                      <p:childTnLst>
+                        <p:par>
+                          <p:cTn id="8" fill="hold">
+                            <p:stCondLst>
+                              <p:cond delay="0"/>
+                            </p:stCondLst>
+                            <p:childTnLst>
+                              <p:par>
+                                <p:cTn id="9" presetID="1" presetClass="exit" presetSubtype="0" fill="hold" nodeType="clickEffect">
+                                  <p:stCondLst>
+                                    <p:cond delay="0"/>
+                                  </p:stCondLst>
+                                  <p:childTnLst>
+                                    <p:set>
+                                      <p:cBhvr>
+                                        <p:cTn id="10" dur="1" fill="hold">
+                                          <p:stCondLst>
+                                            <p:cond delay="0"/>
+                                          </p:stCondLst>
+                                        </p:cTn>
+                                        <p:tgtEl>
+                                          <p:spTgt spid="1026"/>
+                                        </p:tgtEl>
+                                        <p:attrNameLst>
+                                          <p:attrName>style.visibility</p:attrName>
+                                        </p:attrNameLst>
+                                      </p:cBhvr>
+                                      <p:to>
+                                        <p:strVal val="hidden"/>
+                                      </p:to>
+                                    </p:set>
+                                  </p:childTnLst>
+                                </p:cTn>
+                              </p:par>
+                            </p:childTnLst>
+                          </p:cTn>
+                        </p:par>
+                      </p:childTnLst>
+                    </p:cTn>
+                  </p:par>
+                </p:childTnLst>
+              </p:cTn>
+              <p:prevCondLst>
+                <p:cond evt="onPrev" delay="0">
+                  <p:tgtEl>
+                    <p:sldTgt/>
+                  </p:tgtEl>
+                </p:cond>
+              </p:prevCondLst>
+              <p:nextCondLst>
+                <p:cond evt="onNext" delay="0">
+                  <p:tgtEl>
+                    <p:sldTgt/>
+                  </p:tgtEl>
+                </p:cond>
+              </p:nextCondLst>
+            </p:seq>
+          </p:childTnLst>
+        </p:cTn>
       </p:par>
     </p:tnLst>
   </p:timing>
